--- a/Week 3/Hospital Management System DFD.pptx
+++ b/Week 3/Hospital Management System DFD.pptx
@@ -5,7 +5,7 @@
     <p:sldMasterId id="2147483660" r:id="rId1"/>
   </p:sldMasterIdLst>
   <p:notesMasterIdLst>
-    <p:notesMasterId r:id="rId28"/>
+    <p:notesMasterId r:id="rId29"/>
   </p:notesMasterIdLst>
   <p:sldIdLst>
     <p:sldId id="256" r:id="rId2"/>
@@ -31,9 +31,10 @@
     <p:sldId id="274" r:id="rId22"/>
     <p:sldId id="275" r:id="rId23"/>
     <p:sldId id="276" r:id="rId24"/>
-    <p:sldId id="277" r:id="rId25"/>
-    <p:sldId id="278" r:id="rId26"/>
-    <p:sldId id="280" r:id="rId27"/>
+    <p:sldId id="283" r:id="rId25"/>
+    <p:sldId id="277" r:id="rId26"/>
+    <p:sldId id="278" r:id="rId27"/>
+    <p:sldId id="280" r:id="rId28"/>
   </p:sldIdLst>
   <p:sldSz cx="9144000" cy="6858000" type="screen4x3"/>
   <p:notesSz cx="6858000" cy="9144000"/>
@@ -217,7 +218,7 @@
           <a:p>
             <a:fld id="{E190A4E2-392F-43D8-9810-9E6F77DC0963}" type="datetimeFigureOut">
               <a:rPr lang="en-US" smtClean="0"/>
-              <a:t>2/9/2014</a:t>
+              <a:t>3/30/2014</a:t>
             </a:fld>
             <a:endParaRPr lang="en-US"/>
           </a:p>
@@ -692,7 +693,7 @@
           <a:p>
             <a:fld id="{A6E155EE-8A72-4F81-ABA2-1413D9000742}" type="datetime1">
               <a:rPr lang="en-US" smtClean="0"/>
-              <a:t>2/9/2014</a:t>
+              <a:t>3/30/2014</a:t>
             </a:fld>
             <a:endParaRPr lang="en-US"/>
           </a:p>
@@ -887,7 +888,7 @@
           <a:p>
             <a:fld id="{907D2198-2D2F-4298-A85E-861F08DE1F85}" type="datetime1">
               <a:rPr lang="en-US" smtClean="0"/>
-              <a:t>2/9/2014</a:t>
+              <a:t>3/30/2014</a:t>
             </a:fld>
             <a:endParaRPr lang="en-US"/>
           </a:p>
@@ -1076,7 +1077,7 @@
           <a:p>
             <a:fld id="{28D62DB1-A29E-4F64-9187-106A867313AC}" type="datetime1">
               <a:rPr lang="en-US" smtClean="0"/>
-              <a:t>2/9/2014</a:t>
+              <a:t>3/30/2014</a:t>
             </a:fld>
             <a:endParaRPr lang="en-US"/>
           </a:p>
@@ -1306,7 +1307,7 @@
           <a:p>
             <a:fld id="{F51486C6-5624-48A7-BC8B-D2C321F54B37}" type="datetime1">
               <a:rPr lang="en-US" smtClean="0"/>
-              <a:t>2/9/2014</a:t>
+              <a:t>3/30/2014</a:t>
             </a:fld>
             <a:endParaRPr lang="en-US"/>
           </a:p>
@@ -1588,7 +1589,7 @@
           <a:p>
             <a:fld id="{2B53C38A-55CD-438F-948E-20DD21ABA72C}" type="datetime1">
               <a:rPr lang="en-US" smtClean="0"/>
-              <a:t>2/9/2014</a:t>
+              <a:t>3/30/2014</a:t>
             </a:fld>
             <a:endParaRPr lang="en-US"/>
           </a:p>
@@ -1877,7 +1878,7 @@
           <a:p>
             <a:fld id="{F72CE92A-3D9A-4542-9056-3BAA9F359FFF}" type="datetime1">
               <a:rPr lang="en-US" smtClean="0"/>
-              <a:t>2/9/2014</a:t>
+              <a:t>3/30/2014</a:t>
             </a:fld>
             <a:endParaRPr lang="en-US"/>
           </a:p>
@@ -2432,7 +2433,7 @@
           <a:p>
             <a:fld id="{A48062AF-BFA7-42D5-B86D-48420D8B8F1D}" type="datetime1">
               <a:rPr lang="en-US" smtClean="0"/>
-              <a:t>2/9/2014</a:t>
+              <a:t>3/30/2014</a:t>
             </a:fld>
             <a:endParaRPr lang="en-US"/>
           </a:p>
@@ -2564,7 +2565,7 @@
           <a:p>
             <a:fld id="{83F7A70B-5C6D-4CC1-9D8A-12735467D818}" type="datetime1">
               <a:rPr lang="en-US" smtClean="0"/>
-              <a:t>2/9/2014</a:t>
+              <a:t>3/30/2014</a:t>
             </a:fld>
             <a:endParaRPr lang="en-US"/>
           </a:p>
@@ -2715,7 +2716,7 @@
           <a:p>
             <a:fld id="{6F3578B6-C3C1-4D1E-AA39-6D639951771A}" type="datetime1">
               <a:rPr lang="en-US" smtClean="0"/>
-              <a:t>2/9/2014</a:t>
+              <a:t>3/30/2014</a:t>
             </a:fld>
             <a:endParaRPr lang="en-US"/>
           </a:p>
@@ -3037,7 +3038,7 @@
           <a:p>
             <a:fld id="{96E9824E-BEF3-44DD-B77D-865DCEF36A5C}" type="datetime1">
               <a:rPr lang="en-US" smtClean="0"/>
-              <a:t>2/9/2014</a:t>
+              <a:t>3/30/2014</a:t>
             </a:fld>
             <a:endParaRPr lang="en-US"/>
           </a:p>
@@ -3335,7 +3336,7 @@
           <a:p>
             <a:fld id="{627B20EA-01B2-4A34-BBE9-49C7687CBD98}" type="datetime1">
               <a:rPr lang="en-US" smtClean="0"/>
-              <a:t>2/9/2014</a:t>
+              <a:t>3/30/2014</a:t>
             </a:fld>
             <a:endParaRPr lang="en-US"/>
           </a:p>
@@ -3581,7 +3582,7 @@
           <a:p>
             <a:fld id="{65DE2A95-E534-45B9-A286-3A38A3B1452B}" type="datetime1">
               <a:rPr lang="en-US" smtClean="0"/>
-              <a:t>2/9/2014</a:t>
+              <a:t>3/30/2014</a:t>
             </a:fld>
             <a:endParaRPr lang="en-US"/>
           </a:p>
@@ -4398,12 +4399,8 @@
           <a:lstStyle/>
           <a:p>
             <a:r>
-              <a:rPr lang="en-US" dirty="0" err="1" smtClean="0"/>
-              <a:t>FishboneDiagram</a:t>
-            </a:r>
-            <a:r>
               <a:rPr lang="en-US" dirty="0" smtClean="0"/>
-              <a:t> of Employee Management Subsystem</a:t>
+              <a:t>Fishbone Diagram of Employee Management Subsystem</a:t>
             </a:r>
             <a:endParaRPr lang="en-US" dirty="0"/>
           </a:p>
@@ -4649,7 +4646,7 @@
         </p:blipFill>
         <p:spPr>
           <a:xfrm>
-            <a:off x="0" y="1948937"/>
+            <a:off x="0" y="1828800"/>
             <a:ext cx="9144000" cy="3920564"/>
           </a:xfrm>
         </p:spPr>
@@ -4769,11 +4766,7 @@
             <a:pPr lvl="0"/>
             <a:r>
               <a:rPr lang="en-US" sz="2800" dirty="0" smtClean="0"/>
-              <a:t>What </a:t>
-            </a:r>
-            <a:r>
-              <a:rPr lang="en-US" sz="2800" dirty="0" smtClean="0"/>
-              <a:t>new skills will be required?</a:t>
+              <a:t>What new skills will be required?</a:t>
             </a:r>
           </a:p>
           <a:p>
@@ -5069,7 +5062,12 @@
             <p:ph type="title"/>
           </p:nvPr>
         </p:nvSpPr>
-        <p:spPr/>
+        <p:spPr>
+          <a:xfrm>
+            <a:off x="609600" y="152400"/>
+            <a:ext cx="8229600" cy="1143000"/>
+          </a:xfrm>
+        </p:spPr>
         <p:txBody>
           <a:bodyPr>
             <a:normAutofit fontScale="90000"/>
@@ -5116,38 +5114,21 @@
             <a:pPr lvl="0"/>
             <a:r>
               <a:rPr lang="en-US" sz="2800" dirty="0" smtClean="0"/>
-              <a:t>Can the system be upgraded if </a:t>
-            </a:r>
+              <a:t>Can the system be upgraded if developed once?</a:t>
+            </a:r>
+          </a:p>
+          <a:p>
+            <a:pPr lvl="0"/>
             <a:r>
               <a:rPr lang="en-US" sz="2800" dirty="0" smtClean="0"/>
-              <a:t>developed once?</a:t>
-            </a:r>
-            <a:endParaRPr lang="en-US" sz="2800" dirty="0" smtClean="0"/>
+              <a:t>If new technology is needed then whether it can be developed?</a:t>
+            </a:r>
           </a:p>
           <a:p>
             <a:pPr lvl="0"/>
             <a:r>
               <a:rPr lang="en-US" sz="2800" dirty="0" smtClean="0"/>
-              <a:t>If new technology is needed then </a:t>
-            </a:r>
-            <a:r>
-              <a:rPr lang="en-US" sz="2800" dirty="0" smtClean="0"/>
-              <a:t>whether it </a:t>
-            </a:r>
-            <a:r>
-              <a:rPr lang="en-US" sz="2800" dirty="0" smtClean="0"/>
-              <a:t>can be developed?</a:t>
-            </a:r>
-          </a:p>
-          <a:p>
-            <a:pPr lvl="0"/>
-            <a:r>
-              <a:rPr lang="en-US" sz="2800" dirty="0" smtClean="0"/>
-              <a:t>Will specified equipment and software satisfy user requirements</a:t>
-            </a:r>
-            <a:r>
-              <a:rPr lang="en-US" sz="2800" dirty="0" smtClean="0"/>
-              <a:t>?</a:t>
+              <a:t>Will specified equipment and software satisfy user requirements?</a:t>
             </a:r>
             <a:endParaRPr lang="en-US" dirty="0"/>
           </a:p>
@@ -5390,19 +5371,7 @@
             <a:pPr lvl="0"/>
             <a:r>
               <a:rPr lang="en-US" sz="2800" dirty="0" smtClean="0"/>
-              <a:t>Are the benefits that will </a:t>
-            </a:r>
-            <a:r>
-              <a:rPr lang="en-US" sz="2800" dirty="0" smtClean="0"/>
-              <a:t>be acquired </a:t>
-            </a:r>
-            <a:r>
-              <a:rPr lang="en-US" sz="2800" dirty="0" smtClean="0"/>
-              <a:t> </a:t>
-            </a:r>
-            <a:r>
-              <a:rPr lang="en-US" sz="2800" dirty="0" smtClean="0"/>
-              <a:t>from the new system worth the costs? </a:t>
+              <a:t>Are the benefits that will be acquired  from the new system worth the costs? </a:t>
             </a:r>
           </a:p>
           <a:p>
@@ -7730,13 +7699,13 @@
             <p:ph idx="1"/>
             <p:extLst>
               <p:ext uri="{D42A27DB-BD31-4B8C-83A1-F6EECF244321}">
-                <p14:modId xmlns:p14="http://schemas.microsoft.com/office/powerpoint/2010/main" val="567602656"/>
+                <p14:modId xmlns:p14="http://schemas.microsoft.com/office/powerpoint/2010/main" val="4198597955"/>
               </p:ext>
             </p:extLst>
           </p:nvPr>
         </p:nvGraphicFramePr>
         <p:xfrm>
-          <a:off x="457200" y="1600200"/>
+          <a:off x="457200" y="1524000"/>
           <a:ext cx="8229600" cy="3997960"/>
         </p:xfrm>
         <a:graphic>
@@ -9042,7 +9011,7 @@
             <p:ph idx="1"/>
             <p:extLst>
               <p:ext uri="{D42A27DB-BD31-4B8C-83A1-F6EECF244321}">
-                <p14:modId xmlns:p14="http://schemas.microsoft.com/office/powerpoint/2010/main" val="3419485327"/>
+                <p14:modId xmlns:p14="http://schemas.microsoft.com/office/powerpoint/2010/main" val="1166021043"/>
               </p:ext>
             </p:extLst>
           </p:nvPr>
@@ -9778,21 +9747,8 @@
                           <a:ea typeface="Calibri"/>
                           <a:cs typeface="Times New Roman"/>
                         </a:rPr>
-                        <a:t>5,35,000 </a:t>
+                        <a:t>5,35,000tk</a:t>
                       </a:r>
-                      <a:r>
-                        <a:rPr lang="en-US" sz="2000" dirty="0" err="1" smtClean="0">
-                          <a:latin typeface="Times New Roman"/>
-                          <a:ea typeface="Calibri"/>
-                          <a:cs typeface="Times New Roman"/>
-                        </a:rPr>
-                        <a:t>tk</a:t>
-                      </a:r>
-                      <a:endParaRPr lang="en-US" sz="2000" dirty="0" smtClean="0">
-                        <a:latin typeface="Times New Roman"/>
-                        <a:ea typeface="Calibri"/>
-                        <a:cs typeface="Times New Roman"/>
-                      </a:endParaRPr>
                     </a:p>
                   </a:txBody>
                   <a:tcPr marL="68580" marR="68580" marT="0" marB="0"/>
@@ -9874,8 +9830,8 @@
           <a:lstStyle/>
           <a:p>
             <a:r>
-              <a:rPr lang="en-US" dirty="0" smtClean="0"/>
-              <a:t>Tangible Benefits</a:t>
+              <a:rPr lang="en-US" b="1" dirty="0" smtClean="0"/>
+              <a:t>Subscription Cost</a:t>
             </a:r>
             <a:endParaRPr lang="en-US" dirty="0"/>
           </a:p>
@@ -9883,95 +9839,7 @@
       </p:sp>
       <p:sp>
         <p:nvSpPr>
-          <p:cNvPr id="3" name="Content Placeholder 2"/>
-          <p:cNvSpPr>
-            <a:spLocks noGrp="1"/>
-          </p:cNvSpPr>
-          <p:nvPr>
-            <p:ph idx="1"/>
-          </p:nvPr>
-        </p:nvSpPr>
-        <p:spPr/>
-        <p:txBody>
-          <a:bodyPr/>
-          <a:lstStyle/>
-          <a:p>
-            <a:r>
-              <a:rPr lang="en-US" dirty="0" smtClean="0"/>
-              <a:t>Saves </a:t>
-            </a:r>
-            <a:r>
-              <a:rPr lang="en-US" dirty="0" smtClean="0"/>
-              <a:t>1,50,000 </a:t>
-            </a:r>
-            <a:r>
-              <a:rPr lang="en-US" dirty="0" err="1" smtClean="0"/>
-              <a:t>tk</a:t>
-            </a:r>
-            <a:r>
-              <a:rPr lang="en-US" dirty="0" smtClean="0"/>
-              <a:t> per </a:t>
-            </a:r>
-            <a:r>
-              <a:rPr lang="en-US" dirty="0" smtClean="0"/>
-              <a:t>year due </a:t>
-            </a:r>
-            <a:r>
-              <a:rPr lang="en-US" dirty="0" smtClean="0"/>
-              <a:t>to having less </a:t>
-            </a:r>
-            <a:r>
-              <a:rPr lang="en-US" dirty="0" smtClean="0"/>
-              <a:t>employee</a:t>
-            </a:r>
-            <a:r>
-              <a:rPr lang="en-US" dirty="0" smtClean="0"/>
-              <a:t>.</a:t>
-            </a:r>
-            <a:endParaRPr lang="en-US" dirty="0" smtClean="0"/>
-          </a:p>
-          <a:p>
-            <a:r>
-              <a:rPr lang="en-US" dirty="0" smtClean="0"/>
-              <a:t>Saves money due to purchase of less paper</a:t>
-            </a:r>
-            <a:r>
-              <a:rPr lang="en-US" dirty="0" smtClean="0"/>
-              <a:t>.</a:t>
-            </a:r>
-          </a:p>
-          <a:p>
-            <a:r>
-              <a:rPr lang="en-US" dirty="0" smtClean="0"/>
-              <a:t>Reduces patient hassle.</a:t>
-            </a:r>
-          </a:p>
-          <a:p>
-            <a:r>
-              <a:rPr lang="en-US" dirty="0" smtClean="0"/>
-              <a:t>Reduces 70% administrative work.</a:t>
-            </a:r>
-          </a:p>
-          <a:p>
-            <a:r>
-              <a:rPr lang="en-US" dirty="0" smtClean="0"/>
-              <a:t>Increases employee performance.</a:t>
-            </a:r>
-          </a:p>
-          <a:p>
-            <a:endParaRPr lang="en-US" dirty="0" smtClean="0"/>
-          </a:p>
-          <a:p>
-            <a:pPr marL="0" indent="0">
-              <a:buNone/>
-            </a:pPr>
-            <a:endParaRPr lang="en-US" dirty="0"/>
-          </a:p>
-        </p:txBody>
-      </p:sp>
-      <p:sp>
-        <p:nvSpPr>
-          <p:cNvPr id="4" name="Slide Number Placeholder 3"/>
+          <p:cNvPr id="3" name="Slide Number Placeholder 2"/>
           <p:cNvSpPr>
             <a:spLocks noGrp="1"/>
           </p:cNvSpPr>
@@ -9993,7 +9861,41 @@
           </a:p>
         </p:txBody>
       </p:sp>
+      <p:sp>
+        <p:nvSpPr>
+          <p:cNvPr id="5" name="Content Placeholder 4"/>
+          <p:cNvSpPr>
+            <a:spLocks noGrp="1"/>
+          </p:cNvSpPr>
+          <p:nvPr>
+            <p:ph idx="1"/>
+          </p:nvPr>
+        </p:nvSpPr>
+        <p:spPr/>
+        <p:txBody>
+          <a:bodyPr/>
+          <a:lstStyle/>
+          <a:p>
+            <a:r>
+              <a:rPr lang="en-US" dirty="0" smtClean="0"/>
+              <a:t>Subscription cost will be 1,00,000tk per year.</a:t>
+            </a:r>
+          </a:p>
+          <a:p>
+            <a:r>
+              <a:rPr lang="en-US" dirty="0" smtClean="0"/>
+              <a:t>With this much money the hospital will be able to use this system and have after sales service and maintenance every year.</a:t>
+            </a:r>
+            <a:endParaRPr lang="en-US" dirty="0"/>
+          </a:p>
+        </p:txBody>
+      </p:sp>
     </p:spTree>
+    <p:extLst>
+      <p:ext uri="{BB962C8B-B14F-4D97-AF65-F5344CB8AC3E}">
+        <p14:creationId xmlns:p14="http://schemas.microsoft.com/office/powerpoint/2010/main" val="1235391048"/>
+      </p:ext>
+    </p:extLst>
   </p:cSld>
   <p:clrMapOvr>
     <a:masterClrMapping/>
@@ -10042,7 +9944,7 @@
           <a:p>
             <a:r>
               <a:rPr lang="en-US" dirty="0" smtClean="0"/>
-              <a:t>Intangible Benefits</a:t>
+              <a:t>Tangible Benefits</a:t>
             </a:r>
             <a:endParaRPr lang="en-US" dirty="0"/>
           </a:p>
@@ -10065,31 +9967,40 @@
           <a:p>
             <a:r>
               <a:rPr lang="en-US" dirty="0" smtClean="0"/>
-              <a:t>Saves patients time</a:t>
+              <a:t>Saves 1,50,000tk per year due to having less employee.</a:t>
             </a:r>
           </a:p>
           <a:p>
             <a:r>
               <a:rPr lang="en-US" dirty="0" smtClean="0"/>
-              <a:t>Work is made easier and </a:t>
-            </a:r>
+              <a:t>Saves money due to purchase of less paper.</a:t>
+            </a:r>
+          </a:p>
+          <a:p>
             <a:r>
               <a:rPr lang="en-US" dirty="0" smtClean="0"/>
-              <a:t>accurate</a:t>
+              <a:t>Reduces patient hassle.</a:t>
             </a:r>
           </a:p>
           <a:p>
             <a:r>
               <a:rPr lang="en-US" dirty="0" smtClean="0"/>
-              <a:t>Better care from doctor.</a:t>
-            </a:r>
+              <a:t>Reduces 70% administrative work.</a:t>
+            </a:r>
+          </a:p>
+          <a:p>
+            <a:r>
+              <a:rPr lang="en-US" dirty="0" smtClean="0"/>
+              <a:t>Increases employee performance.</a:t>
+            </a:r>
+          </a:p>
+          <a:p>
             <a:endParaRPr lang="en-US" dirty="0" smtClean="0"/>
           </a:p>
           <a:p>
-            <a:r>
-              <a:rPr lang="en-US" dirty="0" smtClean="0"/>
-              <a:t>Good wishes of patients and their families</a:t>
-            </a:r>
+            <a:pPr marL="0" indent="0">
+              <a:buNone/>
+            </a:pPr>
             <a:endParaRPr lang="en-US" dirty="0"/>
           </a:p>
         </p:txBody>
@@ -10160,6 +10071,126 @@
             <p:ph type="title"/>
           </p:nvPr>
         </p:nvSpPr>
+        <p:spPr/>
+        <p:txBody>
+          <a:bodyPr/>
+          <a:lstStyle/>
+          <a:p>
+            <a:r>
+              <a:rPr lang="en-US" dirty="0" smtClean="0"/>
+              <a:t>Intangible Benefits</a:t>
+            </a:r>
+            <a:endParaRPr lang="en-US" dirty="0"/>
+          </a:p>
+        </p:txBody>
+      </p:sp>
+      <p:sp>
+        <p:nvSpPr>
+          <p:cNvPr id="3" name="Content Placeholder 2"/>
+          <p:cNvSpPr>
+            <a:spLocks noGrp="1"/>
+          </p:cNvSpPr>
+          <p:nvPr>
+            <p:ph idx="1"/>
+          </p:nvPr>
+        </p:nvSpPr>
+        <p:spPr/>
+        <p:txBody>
+          <a:bodyPr/>
+          <a:lstStyle/>
+          <a:p>
+            <a:r>
+              <a:rPr lang="en-US" dirty="0" smtClean="0"/>
+              <a:t>Saves patients time</a:t>
+            </a:r>
+          </a:p>
+          <a:p>
+            <a:r>
+              <a:rPr lang="en-US" dirty="0" smtClean="0"/>
+              <a:t>Work is made easier and accurate</a:t>
+            </a:r>
+          </a:p>
+          <a:p>
+            <a:r>
+              <a:rPr lang="en-US" dirty="0" smtClean="0"/>
+              <a:t>Better care from doctor.</a:t>
+            </a:r>
+          </a:p>
+          <a:p>
+            <a:r>
+              <a:rPr lang="en-US" dirty="0" smtClean="0"/>
+              <a:t>Good wishes of patients and their families</a:t>
+            </a:r>
+            <a:endParaRPr lang="en-US" dirty="0"/>
+          </a:p>
+        </p:txBody>
+      </p:sp>
+      <p:sp>
+        <p:nvSpPr>
+          <p:cNvPr id="4" name="Slide Number Placeholder 3"/>
+          <p:cNvSpPr>
+            <a:spLocks noGrp="1"/>
+          </p:cNvSpPr>
+          <p:nvPr>
+            <p:ph type="sldNum" sz="quarter" idx="12"/>
+          </p:nvPr>
+        </p:nvSpPr>
+        <p:spPr/>
+        <p:txBody>
+          <a:bodyPr/>
+          <a:lstStyle/>
+          <a:p>
+            <a:fld id="{E396CFFB-088C-4159-8D69-48E3763E7900}" type="slidenum">
+              <a:rPr lang="en-US" smtClean="0"/>
+              <a:pPr/>
+              <a:t>26</a:t>
+            </a:fld>
+            <a:endParaRPr lang="en-US"/>
+          </a:p>
+        </p:txBody>
+      </p:sp>
+    </p:spTree>
+  </p:cSld>
+  <p:clrMapOvr>
+    <a:masterClrMapping/>
+  </p:clrMapOvr>
+  <p:timing>
+    <p:tnLst>
+      <p:par>
+        <p:cTn id="1" dur="indefinite" restart="never" nodeType="tmRoot"/>
+      </p:par>
+    </p:tnLst>
+  </p:timing>
+</p:sld>
+</file>
+
+<file path=ppt/slides/slide27.xml><?xml version="1.0" encoding="utf-8"?>
+<p:sld xmlns:a="http://schemas.openxmlformats.org/drawingml/2006/main" xmlns:r="http://schemas.openxmlformats.org/officeDocument/2006/relationships" xmlns:p="http://schemas.openxmlformats.org/presentationml/2006/main">
+  <p:cSld>
+    <p:spTree>
+      <p:nvGrpSpPr>
+        <p:cNvPr id="1" name=""/>
+        <p:cNvGrpSpPr/>
+        <p:nvPr/>
+      </p:nvGrpSpPr>
+      <p:grpSpPr>
+        <a:xfrm>
+          <a:off x="0" y="0"/>
+          <a:ext cx="0" cy="0"/>
+          <a:chOff x="0" y="0"/>
+          <a:chExt cx="0" cy="0"/>
+        </a:xfrm>
+      </p:grpSpPr>
+      <p:sp>
+        <p:nvSpPr>
+          <p:cNvPr id="2" name="Title 1"/>
+          <p:cNvSpPr>
+            <a:spLocks noGrp="1"/>
+          </p:cNvSpPr>
+          <p:nvPr>
+            <p:ph type="title"/>
+          </p:nvPr>
+        </p:nvSpPr>
         <p:spPr>
           <a:xfrm>
             <a:off x="457200" y="253536"/>
@@ -10227,7 +10258,7 @@
           <a:p>
             <a:fld id="{E396CFFB-088C-4159-8D69-48E3763E7900}" type="slidenum">
               <a:rPr lang="en-US" smtClean="0"/>
-              <a:t>26</a:t>
+              <a:t>27</a:t>
             </a:fld>
             <a:endParaRPr lang="en-US"/>
           </a:p>
